--- a/doc/banner-inf.pptx
+++ b/doc/banner-inf.pptx
@@ -10375,7 +10375,7 @@
         </p:nvSpPr>
         <p:spPr>
           <a:xfrm>
-            <a:off x="2037347" y="9943167"/>
+            <a:off x="2037347" y="7657165"/>
             <a:ext cx="28362442" cy="5496606"/>
           </a:xfrm>
           <a:prstGeom prst="rect">
@@ -10431,19 +10431,7 @@
               <a:rPr lang="pt-BR" sz="6600" dirty="0" smtClean="0">
                 <a:latin typeface="Calibri" panose="020F0502020204030204" pitchFamily="34" charset="0"/>
               </a:rPr>
-              <a:t> visa facilitar o desenvolvimento de Sistemas de Informação em Saúde (</a:t>
-            </a:r>
-            <a:r>
-              <a:rPr lang="pt-BR" sz="6600" dirty="0" err="1" smtClean="0">
-                <a:latin typeface="Calibri" panose="020F0502020204030204" pitchFamily="34" charset="0"/>
-              </a:rPr>
-              <a:t>SISs</a:t>
-            </a:r>
-            <a:r>
-              <a:rPr lang="pt-BR" sz="6600" dirty="0" smtClean="0">
-                <a:latin typeface="Calibri" panose="020F0502020204030204" pitchFamily="34" charset="0"/>
-              </a:rPr>
-              <a:t>) interoperáveis (conforme padrões adotados pelo Brasil). </a:t>
+              <a:t> visa facilitar o desenvolvimento de Sistemas de Informação em Saúde interoperáveis (conforme padrões adotados pelo Brasil). </a:t>
             </a:r>
             <a:endParaRPr sz="6600" b="0" i="0" u="none" strike="noStrike" cap="none" baseline="30000" dirty="0">
               <a:solidFill>
@@ -10542,65 +10530,8 @@
         </p:nvSpPr>
         <p:spPr>
           <a:xfrm>
-            <a:off x="23225442" y="42421810"/>
-            <a:ext cx="1912936" cy="717550"/>
-          </a:xfrm>
-          <a:prstGeom prst="rect">
-            <a:avLst/>
-          </a:prstGeom>
-          <a:noFill/>
-          <a:ln>
-            <a:noFill/>
-          </a:ln>
-        </p:spPr>
-        <p:txBody>
-          <a:bodyPr lIns="109075" tIns="54700" rIns="109075" bIns="54700" anchor="t" anchorCtr="0">
-            <a:noAutofit/>
-          </a:bodyPr>
-          <a:lstStyle/>
-          <a:p>
-            <a:pPr marL="0" marR="0" lvl="0" indent="0" algn="l" rtl="0">
-              <a:lnSpc>
-                <a:spcPct val="100000"/>
-              </a:lnSpc>
-              <a:spcBef>
-                <a:spcPts val="0"/>
-              </a:spcBef>
-              <a:spcAft>
-                <a:spcPts val="0"/>
-              </a:spcAft>
-              <a:buClr>
-                <a:srgbClr val="FFFFFF"/>
-              </a:buClr>
-              <a:buSzPct val="25000"/>
-              <a:buFont typeface="Calibri"/>
-              <a:buNone/>
-            </a:pPr>
-            <a:r>
-              <a:rPr lang="en-US" sz="4000" i="0" u="none" strike="noStrike" cap="none" baseline="0" dirty="0">
-                <a:solidFill>
-                  <a:srgbClr val="FFFFFF"/>
-                </a:solidFill>
-                <a:latin typeface="Calibri"/>
-                <a:ea typeface="Calibri"/>
-                <a:cs typeface="Calibri"/>
-                <a:sym typeface="Calibri"/>
-              </a:rPr>
-              <a:t>E-mail:</a:t>
-            </a:r>
-          </a:p>
-        </p:txBody>
-      </p:sp>
-      <p:sp>
-        <p:nvSpPr>
-          <p:cNvPr id="12" name="Shape 169"/>
-          <p:cNvSpPr txBox="1"/>
-          <p:nvPr/>
-        </p:nvSpPr>
-        <p:spPr>
-          <a:xfrm>
-            <a:off x="25025667" y="42428160"/>
-            <a:ext cx="6826249" cy="717550"/>
+            <a:off x="18581913" y="42432196"/>
+            <a:ext cx="6752407" cy="772478"/>
           </a:xfrm>
           <a:prstGeom prst="rect">
             <a:avLst/>
@@ -10643,62 +10574,8 @@
                 <a:cs typeface="Calibri"/>
                 <a:sym typeface="Calibri"/>
               </a:rPr>
-              <a:t>fabio@inf.ufg.br</a:t>
+              <a:t>Entre </a:t>
             </a:r>
-            <a:endParaRPr lang="en-US" sz="4000" i="0" u="none" strike="noStrike" cap="none" baseline="0" dirty="0">
-              <a:solidFill>
-                <a:srgbClr val="FFFFFF"/>
-              </a:solidFill>
-              <a:latin typeface="Calibri"/>
-              <a:ea typeface="Calibri"/>
-              <a:cs typeface="Calibri"/>
-              <a:sym typeface="Calibri"/>
-            </a:endParaRPr>
-          </a:p>
-        </p:txBody>
-      </p:sp>
-      <p:sp>
-        <p:nvSpPr>
-          <p:cNvPr id="15" name="Shape 168"/>
-          <p:cNvSpPr txBox="1"/>
-          <p:nvPr/>
-        </p:nvSpPr>
-        <p:spPr>
-          <a:xfrm>
-            <a:off x="792162" y="42421810"/>
-            <a:ext cx="3200718" cy="717550"/>
-          </a:xfrm>
-          <a:prstGeom prst="rect">
-            <a:avLst/>
-          </a:prstGeom>
-          <a:noFill/>
-          <a:ln>
-            <a:noFill/>
-          </a:ln>
-        </p:spPr>
-        <p:txBody>
-          <a:bodyPr lIns="109075" tIns="54700" rIns="109075" bIns="54700" anchor="t" anchorCtr="0">
-            <a:noAutofit/>
-          </a:bodyPr>
-          <a:lstStyle/>
-          <a:p>
-            <a:pPr marL="0" marR="0" lvl="0" indent="0" algn="l" rtl="0">
-              <a:lnSpc>
-                <a:spcPct val="100000"/>
-              </a:lnSpc>
-              <a:spcBef>
-                <a:spcPts val="0"/>
-              </a:spcBef>
-              <a:spcAft>
-                <a:spcPts val="0"/>
-              </a:spcAft>
-              <a:buClr>
-                <a:srgbClr val="FFFFFF"/>
-              </a:buClr>
-              <a:buSzPct val="25000"/>
-              <a:buFont typeface="Calibri"/>
-              <a:buNone/>
-            </a:pPr>
             <a:r>
               <a:rPr lang="en-US" sz="4000" i="0" u="none" strike="noStrike" cap="none" baseline="0" dirty="0" err="1" smtClean="0">
                 <a:solidFill>
@@ -10709,7 +10586,7 @@
                 <a:cs typeface="Calibri"/>
                 <a:sym typeface="Calibri"/>
               </a:rPr>
-              <a:t>Instituição</a:t>
+              <a:t>em</a:t>
             </a:r>
             <a:r>
               <a:rPr lang="en-US" sz="4000" i="0" u="none" strike="noStrike" cap="none" baseline="0" dirty="0" smtClean="0">
@@ -10721,7 +10598,55 @@
                 <a:cs typeface="Calibri"/>
                 <a:sym typeface="Calibri"/>
               </a:rPr>
-              <a:t>:</a:t>
+              <a:t> </a:t>
+            </a:r>
+            <a:r>
+              <a:rPr lang="en-US" sz="4000" i="0" u="none" strike="noStrike" cap="none" baseline="0" dirty="0" err="1" smtClean="0">
+                <a:solidFill>
+                  <a:srgbClr val="FFFFFF"/>
+                </a:solidFill>
+                <a:latin typeface="Calibri"/>
+                <a:ea typeface="Calibri"/>
+                <a:cs typeface="Calibri"/>
+                <a:sym typeface="Calibri"/>
+              </a:rPr>
+              <a:t>contato</a:t>
+            </a:r>
+            <a:r>
+              <a:rPr lang="en-US" sz="4000" i="0" u="none" strike="noStrike" cap="none" baseline="0" dirty="0" smtClean="0">
+                <a:solidFill>
+                  <a:srgbClr val="FFFFFF"/>
+                </a:solidFill>
+                <a:latin typeface="Calibri"/>
+                <a:ea typeface="Calibri"/>
+                <a:cs typeface="Calibri"/>
+                <a:sym typeface="Calibri"/>
+              </a:rPr>
+              <a:t> </a:t>
+            </a:r>
+            <a:r>
+              <a:rPr lang="en-US" sz="4000" i="0" u="none" strike="noStrike" cap="none" baseline="0" dirty="0" err="1" smtClean="0">
+                <a:solidFill>
+                  <a:srgbClr val="FFFFFF"/>
+                </a:solidFill>
+                <a:latin typeface="Calibri"/>
+                <a:ea typeface="Calibri"/>
+                <a:cs typeface="Calibri"/>
+                <a:sym typeface="Calibri"/>
+              </a:rPr>
+              <a:t>pelo</a:t>
+            </a:r>
+            <a:r>
+              <a:rPr lang="en-US" sz="4000" i="0" u="none" strike="noStrike" cap="none" baseline="0" dirty="0" smtClean="0">
+                <a:solidFill>
+                  <a:srgbClr val="FFFFFF"/>
+                </a:solidFill>
+                <a:latin typeface="Calibri"/>
+                <a:ea typeface="Calibri"/>
+                <a:cs typeface="Calibri"/>
+                <a:sym typeface="Calibri"/>
+              </a:rPr>
+              <a:t> e-mail:</a:t>
             </a:r>
             <a:endParaRPr lang="en-US" sz="4000" i="0" u="none" strike="noStrike" cap="none" baseline="0" dirty="0">
               <a:solidFill>
@@ -10737,13 +10662,13 @@
       </p:sp>
       <p:sp>
         <p:nvSpPr>
-          <p:cNvPr id="16" name="Shape 169"/>
+          <p:cNvPr id="12" name="Shape 169"/>
           <p:cNvSpPr txBox="1"/>
           <p:nvPr/>
         </p:nvSpPr>
         <p:spPr>
           <a:xfrm>
-            <a:off x="3445827" y="42428160"/>
+            <a:off x="25025667" y="42428160"/>
             <a:ext cx="6826249" cy="717550"/>
           </a:xfrm>
           <a:prstGeom prst="rect">
@@ -10778,18 +10703,6 @@
               <a:buNone/>
             </a:pPr>
             <a:r>
-              <a:rPr lang="en-US" sz="4000" b="1" i="0" u="none" strike="noStrike" cap="none" baseline="0" dirty="0" err="1" smtClean="0">
-                <a:solidFill>
-                  <a:srgbClr val="FFFFFF"/>
-                </a:solidFill>
-                <a:latin typeface="Calibri"/>
-                <a:ea typeface="Calibri"/>
-                <a:cs typeface="Calibri"/>
-                <a:sym typeface="Calibri"/>
-              </a:rPr>
-              <a:t>Instituto</a:t>
-            </a:r>
-            <a:r>
               <a:rPr lang="en-US" sz="4000" b="1" i="0" u="none" strike="noStrike" cap="none" baseline="0" dirty="0" smtClean="0">
                 <a:solidFill>
                   <a:srgbClr val="FFFFFF"/>
@@ -10799,31 +10712,7 @@
                 <a:cs typeface="Calibri"/>
                 <a:sym typeface="Calibri"/>
               </a:rPr>
-              <a:t> de </a:t>
-            </a:r>
-            <a:r>
-              <a:rPr lang="en-US" sz="4000" b="1" i="0" u="none" strike="noStrike" cap="none" baseline="0" dirty="0" err="1" smtClean="0">
-                <a:solidFill>
-                  <a:srgbClr val="FFFFFF"/>
-                </a:solidFill>
-                <a:latin typeface="Calibri"/>
-                <a:ea typeface="Calibri"/>
-                <a:cs typeface="Calibri"/>
-                <a:sym typeface="Calibri"/>
-              </a:rPr>
-              <a:t>Informática</a:t>
-            </a:r>
-            <a:r>
-              <a:rPr lang="en-US" sz="4000" b="1" i="0" u="none" strike="noStrike" cap="none" baseline="0" dirty="0" smtClean="0">
-                <a:solidFill>
-                  <a:srgbClr val="FFFFFF"/>
-                </a:solidFill>
-                <a:latin typeface="Calibri"/>
-                <a:ea typeface="Calibri"/>
-                <a:cs typeface="Calibri"/>
-                <a:sym typeface="Calibri"/>
-              </a:rPr>
-              <a:t> (UFG)</a:t>
+              <a:t>fabio@inf.ufg.br</a:t>
             </a:r>
             <a:endParaRPr lang="en-US" sz="4000" b="1" i="0" u="none" strike="noStrike" cap="none" baseline="0" dirty="0">
               <a:solidFill>
@@ -10883,8 +10772,8 @@
         </p:nvSpPr>
         <p:spPr>
           <a:xfrm>
-            <a:off x="8059554" y="1135515"/>
-            <a:ext cx="17716098" cy="6617196"/>
+            <a:off x="8365052" y="1267580"/>
+            <a:ext cx="17716098" cy="5386090"/>
           </a:xfrm>
           <a:prstGeom prst="rect">
             <a:avLst/>
@@ -10904,31 +10793,6 @@
               </a:rPr>
               <a:t>HealthDB</a:t>
             </a:r>
-            <a:r>
-              <a:rPr lang="pt-BR" sz="34400" b="1" kern="150" dirty="0" smtClean="0">
-                <a:latin typeface="Calibri" panose="020F0502020204030204" pitchFamily="34" charset="0"/>
-                <a:ea typeface="SimSun" panose="02010600030101010101" pitchFamily="2" charset="-122"/>
-              </a:rPr>
-              <a:t/>
-            </a:r>
-            <a:br>
-              <a:rPr lang="pt-BR" sz="34400" b="1" kern="150" dirty="0" smtClean="0">
-                <a:latin typeface="Calibri" panose="020F0502020204030204" pitchFamily="34" charset="0"/>
-                <a:ea typeface="SimSun" panose="02010600030101010101" pitchFamily="2" charset="-122"/>
-              </a:rPr>
-            </a:br>
-            <a:r>
-              <a:rPr lang="pt-BR" sz="8000" i="1" kern="150" dirty="0">
-                <a:ea typeface="Times New Roman" panose="02020603050405020304" pitchFamily="18" charset="0"/>
-              </a:rPr>
-              <a:t>Health </a:t>
-            </a:r>
-            <a:r>
-              <a:rPr lang="pt-BR" sz="8000" i="1" kern="150" dirty="0" err="1" smtClean="0">
-                <a:ea typeface="Times New Roman" panose="02020603050405020304" pitchFamily="18" charset="0"/>
-              </a:rPr>
-              <a:t>Database</a:t>
-            </a:r>
             <a:endParaRPr lang="pt-BR" sz="11500" i="1" kern="150" dirty="0">
               <a:ea typeface="Times New Roman" panose="02020603050405020304" pitchFamily="18" charset="0"/>
             </a:endParaRPr>
@@ -10937,104 +10801,13 @@
       </p:sp>
       <p:sp>
         <p:nvSpPr>
-          <p:cNvPr id="18" name="Retângulo 17"/>
-          <p:cNvSpPr/>
-          <p:nvPr/>
-        </p:nvSpPr>
-        <p:spPr>
-          <a:xfrm>
-            <a:off x="26060323" y="3141433"/>
-            <a:ext cx="4339466" cy="2246769"/>
-          </a:xfrm>
-          <a:prstGeom prst="rect">
-            <a:avLst/>
-          </a:prstGeom>
-        </p:spPr>
-        <p:txBody>
-          <a:bodyPr wrap="square">
-            <a:spAutoFit/>
-          </a:bodyPr>
-          <a:lstStyle/>
-          <a:p>
-            <a:pPr algn="ctr"/>
-            <a:r>
-              <a:rPr lang="pt-BR" sz="2800" kern="150" dirty="0" smtClean="0">
-                <a:latin typeface="+mn-lt"/>
-                <a:ea typeface="Times New Roman" panose="02020603050405020304" pitchFamily="18" charset="0"/>
-              </a:rPr>
-              <a:t>Fábio Nogueira de Lucena</a:t>
-            </a:r>
-            <a:endParaRPr lang="pt-BR" sz="1800" kern="150" dirty="0">
-              <a:latin typeface="+mn-lt"/>
-              <a:ea typeface="Times New Roman" panose="02020603050405020304" pitchFamily="18" charset="0"/>
-            </a:endParaRPr>
-          </a:p>
-          <a:p>
-            <a:pPr algn="ctr"/>
-            <a:r>
-              <a:rPr lang="pt-BR" sz="2800" kern="150" dirty="0" smtClean="0">
-                <a:latin typeface="+mn-lt"/>
-                <a:ea typeface="Times New Roman" panose="02020603050405020304" pitchFamily="18" charset="0"/>
-              </a:rPr>
-              <a:t>João Carlos da Silva</a:t>
-            </a:r>
-            <a:endParaRPr lang="pt-BR" sz="1800" kern="150" dirty="0">
-              <a:latin typeface="+mn-lt"/>
-              <a:ea typeface="Times New Roman" panose="02020603050405020304" pitchFamily="18" charset="0"/>
-            </a:endParaRPr>
-          </a:p>
-          <a:p>
-            <a:pPr algn="ctr"/>
-            <a:r>
-              <a:rPr lang="pt-BR" sz="2800" kern="150" dirty="0" smtClean="0">
-                <a:latin typeface="+mn-lt"/>
-                <a:ea typeface="Times New Roman" panose="02020603050405020304" pitchFamily="18" charset="0"/>
-              </a:rPr>
-              <a:t>Leonardo Andrade Ribeiro</a:t>
-            </a:r>
-            <a:br>
-              <a:rPr lang="pt-BR" sz="2800" kern="150" dirty="0" smtClean="0">
-                <a:latin typeface="+mn-lt"/>
-                <a:ea typeface="Times New Roman" panose="02020603050405020304" pitchFamily="18" charset="0"/>
-              </a:rPr>
-            </a:br>
-            <a:r>
-              <a:rPr lang="pt-BR" sz="2800" kern="150" dirty="0" smtClean="0">
-                <a:latin typeface="+mn-lt"/>
-                <a:ea typeface="Times New Roman" panose="02020603050405020304" pitchFamily="18" charset="0"/>
-              </a:rPr>
-              <a:t>Plínio de Sá Leitão Júnior</a:t>
-            </a:r>
-            <a:r>
-              <a:rPr lang="pt-BR" sz="2800" kern="150" dirty="0">
-                <a:latin typeface="+mn-lt"/>
-                <a:ea typeface="SimSun" panose="02010600030101010101" pitchFamily="2" charset="-122"/>
-                <a:cs typeface="Mangal" panose="02040503050203030202" pitchFamily="18" charset="0"/>
-              </a:rPr>
-              <a:t/>
-            </a:r>
-            <a:br>
-              <a:rPr lang="pt-BR" sz="2800" kern="150" dirty="0">
-                <a:latin typeface="+mn-lt"/>
-                <a:ea typeface="SimSun" panose="02010600030101010101" pitchFamily="2" charset="-122"/>
-                <a:cs typeface="Mangal" panose="02040503050203030202" pitchFamily="18" charset="0"/>
-              </a:rPr>
-            </a:br>
-            <a:endParaRPr lang="pt-BR" sz="2800" dirty="0">
-              <a:latin typeface="+mn-lt"/>
-            </a:endParaRPr>
-          </a:p>
-        </p:txBody>
-      </p:sp>
-      <p:sp>
-        <p:nvSpPr>
           <p:cNvPr id="20" name="Shape 164"/>
           <p:cNvSpPr txBox="1"/>
           <p:nvPr/>
         </p:nvSpPr>
         <p:spPr>
           <a:xfrm>
-            <a:off x="2037347" y="15923611"/>
+            <a:off x="2037347" y="13800903"/>
             <a:ext cx="29414804" cy="5496606"/>
           </a:xfrm>
           <a:prstGeom prst="rect">
@@ -11059,7 +10832,7 @@
                 </a:solidFill>
                 <a:latin typeface="Calibri" panose="020F0502020204030204" pitchFamily="34" charset="0"/>
               </a:rPr>
-              <a:t>Oportunidades de:</a:t>
+              <a:t>Oportunidades disponíveis:</a:t>
             </a:r>
           </a:p>
           <a:p>
@@ -11068,7 +10841,7 @@
               <a:buChar char="•"/>
             </a:pPr>
             <a:r>
-              <a:rPr lang="pt-BR" sz="8000" dirty="0" smtClean="0">
+              <a:rPr lang="pt-BR" sz="8000" u="sng" dirty="0" smtClean="0">
                 <a:solidFill>
                   <a:schemeClr val="tx1"/>
                 </a:solidFill>
@@ -11083,7 +10856,7 @@
               <a:buChar char="•"/>
             </a:pPr>
             <a:r>
-              <a:rPr lang="pt-BR" sz="8000" dirty="0" smtClean="0">
+              <a:rPr lang="pt-BR" sz="8000" u="sng" dirty="0" smtClean="0">
                 <a:solidFill>
                   <a:schemeClr val="tx1"/>
                 </a:solidFill>
@@ -11091,7 +10864,7 @@
               </a:rPr>
               <a:t>Projeto Final de Curso (PFC 1 e 2)</a:t>
             </a:r>
-            <a:endParaRPr lang="pt-BR" sz="8000" dirty="0">
+            <a:endParaRPr lang="pt-BR" sz="8000" u="sng" dirty="0">
               <a:solidFill>
                 <a:schemeClr val="tx1"/>
               </a:solidFill>
@@ -11104,7 +10877,7 @@
               <a:buChar char="•"/>
             </a:pPr>
             <a:r>
-              <a:rPr lang="pt-BR" sz="8000" dirty="0" smtClean="0">
+              <a:rPr lang="pt-BR" sz="8000" u="sng" dirty="0" smtClean="0">
                 <a:solidFill>
                   <a:schemeClr val="tx1"/>
                 </a:solidFill>
@@ -11119,7 +10892,7 @@
               <a:buChar char="•"/>
             </a:pPr>
             <a:r>
-              <a:rPr lang="pt-BR" sz="8000" dirty="0" smtClean="0">
+              <a:rPr lang="pt-BR" sz="8000" u="sng" dirty="0" smtClean="0">
                 <a:solidFill>
                   <a:schemeClr val="tx1"/>
                 </a:solidFill>
@@ -11127,7 +10900,7 @@
               </a:rPr>
               <a:t>Mestrado</a:t>
             </a:r>
-            <a:endParaRPr sz="8000" b="0" i="0" u="none" strike="noStrike" cap="none" baseline="30000" dirty="0">
+            <a:endParaRPr sz="8000" b="0" i="0" u="sng" strike="noStrike" cap="none" baseline="30000" dirty="0">
               <a:solidFill>
                 <a:srgbClr val="000000"/>
               </a:solidFill>
@@ -11162,7 +10935,7 @@
         </p:blipFill>
         <p:spPr bwMode="auto">
           <a:xfrm rot="1743254">
-            <a:off x="16571011" y="28350676"/>
+            <a:off x="16571011" y="26685161"/>
             <a:ext cx="14731932" cy="6078212"/>
           </a:xfrm>
           <a:prstGeom prst="rect">
@@ -11203,7 +10976,7 @@
         </p:blipFill>
         <p:spPr bwMode="auto">
           <a:xfrm>
-            <a:off x="4414787" y="29297173"/>
+            <a:off x="4414787" y="28448091"/>
             <a:ext cx="9877333" cy="7591315"/>
           </a:xfrm>
           <a:prstGeom prst="rect">
@@ -11244,7 +11017,7 @@
         </p:blipFill>
         <p:spPr bwMode="auto">
           <a:xfrm>
-            <a:off x="19640427" y="15032252"/>
+            <a:off x="19771055" y="13987228"/>
             <a:ext cx="10759362" cy="9288661"/>
           </a:xfrm>
           <a:prstGeom prst="rect">
@@ -11270,7 +11043,7 @@
         </p:nvSpPr>
         <p:spPr>
           <a:xfrm>
-            <a:off x="24530823" y="25001334"/>
+            <a:off x="24530823" y="23890996"/>
             <a:ext cx="978569" cy="2718197"/>
           </a:xfrm>
           <a:prstGeom prst="downArrow">
@@ -11310,7 +11083,7 @@
         </p:nvSpPr>
         <p:spPr>
           <a:xfrm flipH="1" flipV="1">
-            <a:off x="15712659" y="31608296"/>
+            <a:off x="15712659" y="30399987"/>
             <a:ext cx="2409887" cy="2969068"/>
           </a:xfrm>
           <a:prstGeom prst="bentArrow">
@@ -11354,7 +11127,7 @@
         </p:nvSpPr>
         <p:spPr>
           <a:xfrm>
-            <a:off x="7587434" y="39441884"/>
+            <a:off x="2152892" y="38699154"/>
             <a:ext cx="18314629" cy="2215991"/>
           </a:xfrm>
           <a:prstGeom prst="rect">
@@ -11388,8 +11161,8 @@
         </p:nvSpPr>
         <p:spPr>
           <a:xfrm>
-            <a:off x="7471889" y="38662975"/>
-            <a:ext cx="10025501" cy="707886"/>
+            <a:off x="2037347" y="37920245"/>
+            <a:ext cx="11795217" cy="707886"/>
           </a:xfrm>
           <a:prstGeom prst="rect">
             <a:avLst/>
@@ -11404,7 +11177,7 @@
           <a:p>
             <a:r>
               <a:rPr lang="pt-BR" sz="4000" dirty="0" smtClean="0"/>
-              <a:t>Caso tenha interesse consulte detalhes em</a:t>
+              <a:t>Caso tenha interesse você pode obter detalhes em</a:t>
             </a:r>
             <a:endParaRPr lang="pt-BR" sz="4000" dirty="0"/>
           </a:p>
@@ -11418,7 +11191,7 @@
         </p:nvSpPr>
         <p:spPr>
           <a:xfrm>
-            <a:off x="2037347" y="22926289"/>
+            <a:off x="2037347" y="21587349"/>
             <a:ext cx="29414804" cy="5496606"/>
           </a:xfrm>
           <a:prstGeom prst="rect">
@@ -11437,7 +11210,7 @@
           <a:p>
             <a:pPr algn="just"/>
             <a:r>
-              <a:rPr lang="pt-BR" sz="8000" b="1" dirty="0" smtClean="0">
+              <a:rPr lang="pt-BR" sz="7200" b="1" dirty="0" smtClean="0">
                 <a:solidFill>
                   <a:schemeClr val="tx1"/>
                 </a:solidFill>
@@ -11452,7 +11225,7 @@
               <a:buChar char="•"/>
             </a:pPr>
             <a:r>
-              <a:rPr lang="pt-BR" sz="8000" dirty="0" smtClean="0">
+              <a:rPr lang="pt-BR" sz="7200" dirty="0" smtClean="0">
                 <a:solidFill>
                   <a:schemeClr val="tx1"/>
                 </a:solidFill>
@@ -11467,7 +11240,7 @@
               <a:buChar char="•"/>
             </a:pPr>
             <a:r>
-              <a:rPr lang="pt-BR" sz="8000" dirty="0" smtClean="0">
+              <a:rPr lang="pt-BR" sz="7200" dirty="0" smtClean="0">
                 <a:solidFill>
                   <a:schemeClr val="tx1"/>
                 </a:solidFill>
@@ -11475,7 +11248,7 @@
               </a:rPr>
               <a:t>Ciência da Computação</a:t>
             </a:r>
-            <a:endParaRPr lang="pt-BR" sz="8000" dirty="0">
+            <a:endParaRPr lang="pt-BR" sz="7200" dirty="0">
               <a:solidFill>
                 <a:schemeClr val="tx1"/>
               </a:solidFill>
@@ -11488,7 +11261,7 @@
               <a:buChar char="•"/>
             </a:pPr>
             <a:r>
-              <a:rPr lang="pt-BR" sz="8000" dirty="0" smtClean="0">
+              <a:rPr lang="pt-BR" sz="7200" dirty="0" smtClean="0">
                 <a:solidFill>
                   <a:schemeClr val="tx1"/>
                 </a:solidFill>
@@ -11496,7 +11269,7 @@
               </a:rPr>
               <a:t>Engenharia de Software</a:t>
             </a:r>
-            <a:endParaRPr sz="8000" b="0" i="0" u="none" strike="noStrike" cap="none" baseline="30000" dirty="0">
+            <a:endParaRPr sz="7200" b="0" i="0" u="none" strike="noStrike" cap="none" baseline="30000" dirty="0">
               <a:solidFill>
                 <a:srgbClr val="000000"/>
               </a:solidFill>
@@ -11508,6 +11281,47 @@
           </a:p>
         </p:txBody>
       </p:sp>
+      <p:pic>
+        <p:nvPicPr>
+          <p:cNvPr id="1036" name="Picture 12" descr="http://www.inf.ufg.br/sites/default/files/LOGO1_COREL.jpg"/>
+          <p:cNvPicPr>
+            <a:picLocks noChangeAspect="1" noChangeArrowheads="1"/>
+          </p:cNvPicPr>
+          <p:nvPr/>
+        </p:nvPicPr>
+        <p:blipFill>
+          <a:blip r:embed="rId6">
+            <a:extLst>
+              <a:ext uri="{28A0092B-C50C-407E-A947-70E740481C1C}">
+                <a14:useLocalDpi xmlns:a14="http://schemas.microsoft.com/office/drawing/2010/main" val="0"/>
+              </a:ext>
+            </a:extLst>
+          </a:blip>
+          <a:srcRect/>
+          <a:stretch>
+            <a:fillRect/>
+          </a:stretch>
+        </p:blipFill>
+        <p:spPr bwMode="auto">
+          <a:xfrm>
+            <a:off x="27679215" y="2451946"/>
+            <a:ext cx="2720574" cy="3436514"/>
+          </a:xfrm>
+          <a:prstGeom prst="rect">
+            <a:avLst/>
+          </a:prstGeom>
+          <a:noFill/>
+          <a:extLst>
+            <a:ext uri="{909E8E84-426E-40DD-AFC4-6F175D3DCCD1}">
+              <a14:hiddenFill xmlns:a14="http://schemas.microsoft.com/office/drawing/2010/main">
+                <a:solidFill>
+                  <a:srgbClr val="FFFFFF"/>
+                </a:solidFill>
+              </a14:hiddenFill>
+            </a:ext>
+          </a:extLst>
+        </p:spPr>
+      </p:pic>
     </p:spTree>
     <p:extLst>
       <p:ext uri="{BB962C8B-B14F-4D97-AF65-F5344CB8AC3E}">
